--- a/PPT/J6-包访问控制和接口.pptx
+++ b/PPT/J6-包访问控制和接口.pptx
@@ -11403,7 +11403,7 @@
                 <a:latin typeface="微软雅黑" panose="020B0503020204020204" pitchFamily="34" charset="-122"/>
                 <a:ea typeface="微软雅黑" panose="020B0503020204020204" pitchFamily="34" charset="-122"/>
               </a:rPr>
-              <a:t>2020年8月11日</a:t>
+              <a:t>2020年9月24日</a:t>
             </a:fld>
             <a:endParaRPr lang="zh-CN" altLang="en-US" dirty="0">
               <a:latin typeface="微软雅黑" panose="020B0503020204020204" pitchFamily="34" charset="-122"/>
@@ -11589,7 +11589,7 @@
             <a:fld id="{EA50F75F-AD11-4973-BAED-59A0098129E9}" type="datetime2">
               <a:rPr lang="zh-CN" altLang="en-US" smtClean="0"/>
               <a:pPr/>
-              <a:t>2020年8月11日</a:t>
+              <a:t>2020年9月24日</a:t>
             </a:fld>
             <a:endParaRPr lang="zh-CN" altLang="en-US" dirty="0"/>
           </a:p>
@@ -19638,7 +19638,7 @@
             <a:fld id="{B432DCC3-517C-49BA-ABA2-B2F6E7404DD7}" type="datetime2">
               <a:rPr lang="zh-CN" altLang="en-US" smtClean="0"/>
               <a:pPr/>
-              <a:t>2020年8月11日</a:t>
+              <a:t>2020年9月24日</a:t>
             </a:fld>
             <a:endParaRPr lang="zh-CN" altLang="en-US" dirty="0"/>
           </a:p>
@@ -20197,7 +20197,7 @@
             <a:fld id="{C3F416CD-67A3-4CF0-A210-F6AF31AC147F}" type="datetimeFigureOut">
               <a:rPr lang="en-US" smtClean="0"/>
               <a:pPr algn="l" eaLnBrk="1" latinLnBrk="0" hangingPunct="1"/>
-              <a:t>8/11/2020</a:t>
+              <a:t>9/24/2020</a:t>
             </a:fld>
             <a:endParaRPr lang="en-US" sz="800" dirty="0">
               <a:solidFill>

--- a/PPT/J6-包访问控制和接口.pptx
+++ b/PPT/J6-包访问控制和接口.pptx
@@ -11403,7 +11403,7 @@
                 <a:latin typeface="微软雅黑" panose="020B0503020204020204" pitchFamily="34" charset="-122"/>
                 <a:ea typeface="微软雅黑" panose="020B0503020204020204" pitchFamily="34" charset="-122"/>
               </a:rPr>
-              <a:t>2020年9月24日</a:t>
+              <a:t>2020年10月10日</a:t>
             </a:fld>
             <a:endParaRPr lang="zh-CN" altLang="en-US" dirty="0">
               <a:latin typeface="微软雅黑" panose="020B0503020204020204" pitchFamily="34" charset="-122"/>
@@ -11589,7 +11589,7 @@
             <a:fld id="{EA50F75F-AD11-4973-BAED-59A0098129E9}" type="datetime2">
               <a:rPr lang="zh-CN" altLang="en-US" smtClean="0"/>
               <a:pPr/>
-              <a:t>2020年9月24日</a:t>
+              <a:t>2020年10月10日</a:t>
             </a:fld>
             <a:endParaRPr lang="zh-CN" altLang="en-US" dirty="0"/>
           </a:p>
@@ -19638,7 +19638,7 @@
             <a:fld id="{B432DCC3-517C-49BA-ABA2-B2F6E7404DD7}" type="datetime2">
               <a:rPr lang="zh-CN" altLang="en-US" smtClean="0"/>
               <a:pPr/>
-              <a:t>2020年9月24日</a:t>
+              <a:t>2020年10月10日</a:t>
             </a:fld>
             <a:endParaRPr lang="zh-CN" altLang="en-US" dirty="0"/>
           </a:p>
@@ -20197,7 +20197,7 @@
             <a:fld id="{C3F416CD-67A3-4CF0-A210-F6AF31AC147F}" type="datetimeFigureOut">
               <a:rPr lang="en-US" smtClean="0"/>
               <a:pPr algn="l" eaLnBrk="1" latinLnBrk="0" hangingPunct="1"/>
-              <a:t>9/24/2020</a:t>
+              <a:t>10/10/2020</a:t>
             </a:fld>
             <a:endParaRPr lang="en-US" sz="800" dirty="0">
               <a:solidFill>
@@ -23098,9 +23098,10 @@
               </a:lnSpc>
             </a:pPr>
             <a:r>
-              <a:rPr lang="en-US" altLang="zh-CN" sz="2800" b="1" dirty="0"/>
-              <a:t>protected</a:t>
-            </a:r>
+              <a:rPr lang="zh-CN" altLang="en-US" sz="2800" b="1" dirty="0"/>
+              <a:t>缺省</a:t>
+            </a:r>
+            <a:endParaRPr lang="en-US" altLang="zh-CN" sz="2800" b="1" dirty="0"/>
           </a:p>
           <a:p>
             <a:pPr lvl="1">
@@ -23109,9 +23110,10 @@
               </a:lnSpc>
             </a:pPr>
             <a:r>
-              <a:rPr lang="zh-CN" altLang="en-US" sz="2800" b="1" dirty="0"/>
-              <a:t>缺省</a:t>
-            </a:r>
+              <a:rPr lang="en-US" altLang="zh-CN" sz="2800" b="1" dirty="0"/>
+              <a:t>protected</a:t>
+            </a:r>
+            <a:endParaRPr lang="zh-CN" altLang="en-US" sz="2800" b="1" dirty="0"/>
           </a:p>
           <a:p>
             <a:pPr lvl="1">
@@ -24012,7 +24014,7 @@
             </a:r>
             <a:r>
               <a:rPr lang="en-US" altLang="zh-CN" sz="2000" dirty="0"/>
-              <a:t>("Private member = "+</a:t>
+              <a:t>(“Private member = ”+</a:t>
             </a:r>
             <a:r>
               <a:rPr lang="en-US" altLang="zh-CN" sz="2000" dirty="0" err="1"/>
@@ -24020,8 +24022,13 @@
             </a:r>
             <a:r>
               <a:rPr lang="en-US" altLang="zh-CN" sz="2000" dirty="0"/>
-              <a:t>);</a:t>
-            </a:r>
+              <a:t>);	//</a:t>
+            </a:r>
+            <a:r>
+              <a:rPr lang="zh-CN" altLang="en-US" sz="2000" dirty="0"/>
+              <a:t>这个没法访问</a:t>
+            </a:r>
+            <a:endParaRPr lang="en-US" altLang="zh-CN" sz="2000" dirty="0"/>
           </a:p>
           <a:p>
             <a:pPr marL="0" indent="0">
@@ -24330,7 +24337,7 @@
             </a:pPr>
             <a:r>
               <a:rPr lang="en-US" altLang="zh-CN" sz="2400" dirty="0"/>
-              <a:t>//  </a:t>
+              <a:t>//</a:t>
             </a:r>
             <a:r>
               <a:rPr lang="en-US" altLang="zh-CN" sz="2400" dirty="0" err="1"/>
@@ -24338,7 +24345,7 @@
             </a:r>
             <a:r>
               <a:rPr lang="en-US" altLang="zh-CN" sz="2400" dirty="0"/>
-              <a:t>("Private member = "+</a:t>
+              <a:t>(“Private member = ”+</a:t>
             </a:r>
             <a:r>
               <a:rPr lang="en-US" altLang="zh-CN" sz="2400" dirty="0" err="1"/>
@@ -24346,8 +24353,13 @@
             </a:r>
             <a:r>
               <a:rPr lang="en-US" altLang="zh-CN" sz="2400" dirty="0"/>
-              <a:t>);</a:t>
-            </a:r>
+              <a:t>);  //</a:t>
+            </a:r>
+            <a:r>
+              <a:rPr lang="zh-CN" altLang="en-US" sz="2400" dirty="0"/>
+              <a:t>无法访问</a:t>
+            </a:r>
+            <a:endParaRPr lang="en-US" altLang="zh-CN" sz="2400" dirty="0"/>
           </a:p>
           <a:p>
             <a:pPr marL="0" indent="0">
@@ -24944,7 +24956,7 @@
             </a:pPr>
             <a:r>
               <a:rPr lang="en-US" altLang="zh-CN" sz="2400" dirty="0"/>
-              <a:t>//  </a:t>
+              <a:t>// </a:t>
             </a:r>
             <a:r>
               <a:rPr lang="en-US" altLang="zh-CN" sz="2400" dirty="0" err="1"/>
@@ -24972,7 +24984,7 @@
             </a:pPr>
             <a:r>
               <a:rPr lang="en-US" altLang="zh-CN" sz="2400" dirty="0"/>
-              <a:t>//  </a:t>
+              <a:t>// </a:t>
             </a:r>
             <a:r>
               <a:rPr lang="en-US" altLang="zh-CN" sz="2400" dirty="0" err="1"/>
@@ -24980,7 +24992,7 @@
             </a:r>
             <a:r>
               <a:rPr lang="en-US" altLang="zh-CN" sz="2400" dirty="0"/>
-              <a:t>("Default member = "+</a:t>
+              <a:t>(“Default member = ”+</a:t>
             </a:r>
             <a:r>
               <a:rPr lang="en-US" altLang="zh-CN" sz="2400" dirty="0" err="1"/>
@@ -24988,8 +25000,13 @@
             </a:r>
             <a:r>
               <a:rPr lang="en-US" altLang="zh-CN" sz="2400" dirty="0"/>
-              <a:t>);</a:t>
-            </a:r>
+              <a:t>);	 </a:t>
+            </a:r>
+            <a:r>
+              <a:rPr lang="zh-CN" altLang="en-US" sz="2400" dirty="0"/>
+              <a:t>跨包以后，缺省也不能用了</a:t>
+            </a:r>
+            <a:endParaRPr lang="en-US" altLang="zh-CN" sz="2400" dirty="0"/>
           </a:p>
           <a:p>
             <a:pPr marL="0" indent="0">
@@ -25456,7 +25473,7 @@
             </a:r>
             <a:r>
               <a:rPr lang="en-US" altLang="zh-CN" sz="2400" dirty="0"/>
-              <a:t>("Protected member="+</a:t>
+              <a:t>(“Protected member=”+</a:t>
             </a:r>
             <a:r>
               <a:rPr lang="en-US" altLang="zh-CN" sz="2400" dirty="0" err="1"/>
@@ -25464,8 +25481,21 @@
             </a:r>
             <a:r>
               <a:rPr lang="en-US" altLang="zh-CN" sz="2400" dirty="0"/>
-              <a:t>);</a:t>
-            </a:r>
+              <a:t>); </a:t>
+            </a:r>
+            <a:r>
+              <a:rPr lang="zh-CN" altLang="en-US" sz="2400" dirty="0"/>
+              <a:t>没有父子关系，</a:t>
+            </a:r>
+            <a:r>
+              <a:rPr lang="en-US" altLang="zh-CN" sz="2400" dirty="0"/>
+              <a:t>protected</a:t>
+            </a:r>
+            <a:r>
+              <a:rPr lang="zh-CN" altLang="en-US" sz="2400" dirty="0"/>
+              <a:t>也不能用了</a:t>
+            </a:r>
+            <a:endParaRPr lang="en-US" altLang="zh-CN" sz="2400" dirty="0"/>
           </a:p>
           <a:p>
             <a:pPr marL="0" indent="0">
@@ -26465,7 +26495,7 @@
             </a:r>
             <a:r>
               <a:rPr lang="zh-CN" altLang="en-US" sz="2400" dirty="0"/>
-              <a:t>属性，在创建这些变量时可以省略这些修饰符。</a:t>
+              <a:t>属性，在创建这些变量时可以省略这些修饰符。没有构造函数，所以常量必须立即赋初值。</a:t>
             </a:r>
           </a:p>
           <a:p>
@@ -26514,10 +26544,6 @@
               <a:rPr lang="zh-CN" altLang="en-US" sz="2400" dirty="0"/>
               <a:t>属性。</a:t>
             </a:r>
-          </a:p>
-          <a:p>
-            <a:pPr lvl="1"/>
-            <a:endParaRPr lang="zh-CN" altLang="en-US" sz="2400" dirty="0"/>
           </a:p>
         </p:txBody>
       </p:sp>
@@ -27748,7 +27774,7 @@
             <a:pPr lvl="1"/>
             <a:r>
               <a:rPr lang="zh-CN" altLang="en-US" dirty="0"/>
-              <a:t>如果在子接口中定义了和超接口同名的常量或相同的方法，则超接口中的常量被隐藏，方法被覆盖。</a:t>
+              <a:t>如果在子接口中定义了和超接口同名的常量或相同的方法，则超接口中的常量被隐藏，方法被覆盖。（但是超类中的常量仍然可以利用超类名访问）</a:t>
             </a:r>
           </a:p>
           <a:p>
@@ -28405,7 +28431,7 @@
             </a:r>
             <a:r>
               <a:rPr lang="en-US" altLang="zh-CN" sz="2000" b="1" dirty="0"/>
-              <a:t>=." +type); break ; </a:t>
+              <a:t>=." +type); 	       break ; </a:t>
             </a:r>
           </a:p>
           <a:p>
@@ -28458,11 +28484,25 @@
             </a:r>
             <a:r>
               <a:rPr lang="en-US" altLang="zh-CN" sz="2000" b="1" dirty="0"/>
-              <a:t>=.” +type); break ; </a:t>
+              <a:t>=.” +type); 	       break ; </a:t>
             </a:r>
             <a:r>
               <a:rPr lang="zh-CN" altLang="en-US" sz="2000" b="1" dirty="0"/>
               <a:t> </a:t>
+            </a:r>
+            <a:endParaRPr lang="en-US" altLang="zh-CN" sz="2000" b="1" dirty="0"/>
+          </a:p>
+          <a:p>
+            <a:pPr marL="0" indent="0">
+              <a:spcBef>
+                <a:spcPts val="0"/>
+              </a:spcBef>
+              <a:buFont typeface="Arial" pitchFamily="34" charset="0"/>
+              <a:buNone/>
+            </a:pPr>
+            <a:r>
+              <a:rPr lang="en-US" altLang="zh-CN" sz="2000" dirty="0"/>
+              <a:t>	</a:t>
             </a:r>
             <a:r>
               <a:rPr lang="en-US" altLang="zh-CN" sz="2000" b="1" dirty="0"/>
@@ -29606,7 +29646,7 @@
             </a:r>
             <a:r>
               <a:rPr lang="zh-CN" altLang="en-US" dirty="0"/>
-              <a:t>支持在一个类中声明另一个类，这样的类称作内部类，而包含内部类的类成为内部类的外嵌类。 </a:t>
+              <a:t>支持在一个类中声明另一个类，这样的类称作内部类，而包含内部类的类成为内部类的外嵌类（相当于继承） </a:t>
             </a:r>
           </a:p>
           <a:p>
@@ -29903,8 +29943,13 @@
             <a:pPr lvl="1"/>
             <a:r>
               <a:rPr lang="zh-CN" altLang="en-US" dirty="0"/>
-              <a:t>创建子类对象时，除了使用父类的构造方法外还有类体，此类体被认为是一个子类去掉类声明后的类体，称作匿名类。 </a:t>
-            </a:r>
+              <a:t>创建子类对象时，除了使用父类的构造方法外还有类体，此类体被认为是一个子类去掉类声明后的类体，称作匿名类。 匿名的子类不能</a:t>
+            </a:r>
+            <a:r>
+              <a:rPr lang="zh-CN" altLang="en-US"/>
+              <a:t>再定义变量和类方法</a:t>
+            </a:r>
+            <a:endParaRPr lang="zh-CN" altLang="en-US" dirty="0"/>
           </a:p>
           <a:p>
             <a:pPr lvl="1"/>
